--- a/final_project/Segmentation/Сегментация_v3.pptx
+++ b/final_project/Segmentation/Сегментация_v3.pptx
@@ -203,7 +203,7 @@
           <a:p>
             <a:fld id="{17E93491-ED8C-463C-872F-FB4A752B3FA3}" type="datetimeFigureOut">
               <a:rPr lang="ru-RU" smtClean="0"/>
-              <a:t>02.12.2022</a:t>
+              <a:t>26.01.2023</a:t>
             </a:fld>
             <a:endParaRPr lang="ru-RU"/>
           </a:p>
@@ -602,7 +602,7 @@
           <a:p>
             <a:fld id="{2FB82327-8124-4B42-BBA6-E094D0A95327}" type="datetime1">
               <a:rPr lang="ru-RU" smtClean="0"/>
-              <a:t>02.12.2022</a:t>
+              <a:t>26.01.2023</a:t>
             </a:fld>
             <a:endParaRPr lang="ru-RU"/>
           </a:p>
@@ -772,7 +772,7 @@
           <a:p>
             <a:fld id="{5C174394-192B-4818-94D0-39ABE19F2B8F}" type="datetime1">
               <a:rPr lang="ru-RU" smtClean="0"/>
-              <a:t>02.12.2022</a:t>
+              <a:t>26.01.2023</a:t>
             </a:fld>
             <a:endParaRPr lang="ru-RU"/>
           </a:p>
@@ -952,7 +952,7 @@
           <a:p>
             <a:fld id="{5A5F63BB-AE3B-4017-ACFE-2AD097197B20}" type="datetime1">
               <a:rPr lang="ru-RU" smtClean="0"/>
-              <a:t>02.12.2022</a:t>
+              <a:t>26.01.2023</a:t>
             </a:fld>
             <a:endParaRPr lang="ru-RU"/>
           </a:p>
@@ -1122,7 +1122,7 @@
           <a:p>
             <a:fld id="{060FD130-3B11-4A48-83D1-96954A6BE656}" type="datetime1">
               <a:rPr lang="ru-RU" smtClean="0"/>
-              <a:t>02.12.2022</a:t>
+              <a:t>26.01.2023</a:t>
             </a:fld>
             <a:endParaRPr lang="ru-RU"/>
           </a:p>
@@ -1368,7 +1368,7 @@
           <a:p>
             <a:fld id="{4344E5E5-52B1-45E7-90A3-2CDFE6C43A12}" type="datetime1">
               <a:rPr lang="ru-RU" smtClean="0"/>
-              <a:t>02.12.2022</a:t>
+              <a:t>26.01.2023</a:t>
             </a:fld>
             <a:endParaRPr lang="ru-RU"/>
           </a:p>
@@ -1600,7 +1600,7 @@
           <a:p>
             <a:fld id="{1456F669-CCE7-4449-8578-B07F32E0F93B}" type="datetime1">
               <a:rPr lang="ru-RU" smtClean="0"/>
-              <a:t>02.12.2022</a:t>
+              <a:t>26.01.2023</a:t>
             </a:fld>
             <a:endParaRPr lang="ru-RU"/>
           </a:p>
@@ -1967,7 +1967,7 @@
           <a:p>
             <a:fld id="{74B16E27-721A-4ABC-9E05-68C49A003256}" type="datetime1">
               <a:rPr lang="ru-RU" smtClean="0"/>
-              <a:t>02.12.2022</a:t>
+              <a:t>26.01.2023</a:t>
             </a:fld>
             <a:endParaRPr lang="ru-RU"/>
           </a:p>
@@ -2085,7 +2085,7 @@
           <a:p>
             <a:fld id="{09BA5EFB-2F9F-4190-BB9E-907BD6257253}" type="datetime1">
               <a:rPr lang="ru-RU" smtClean="0"/>
-              <a:t>02.12.2022</a:t>
+              <a:t>26.01.2023</a:t>
             </a:fld>
             <a:endParaRPr lang="ru-RU"/>
           </a:p>
@@ -2180,7 +2180,7 @@
           <a:p>
             <a:fld id="{10E4FBD8-55CB-4675-9737-331815524FD6}" type="datetime1">
               <a:rPr lang="ru-RU" smtClean="0"/>
-              <a:t>02.12.2022</a:t>
+              <a:t>26.01.2023</a:t>
             </a:fld>
             <a:endParaRPr lang="ru-RU"/>
           </a:p>
@@ -2457,7 +2457,7 @@
           <a:p>
             <a:fld id="{DF8E5BED-5715-4652-ACFF-1D381F65C957}" type="datetime1">
               <a:rPr lang="ru-RU" smtClean="0"/>
-              <a:t>02.12.2022</a:t>
+              <a:t>26.01.2023</a:t>
             </a:fld>
             <a:endParaRPr lang="ru-RU"/>
           </a:p>
@@ -2710,7 +2710,7 @@
           <a:p>
             <a:fld id="{974481B2-3DF0-491D-B95F-0FD112FDD282}" type="datetime1">
               <a:rPr lang="ru-RU" smtClean="0"/>
-              <a:t>02.12.2022</a:t>
+              <a:t>26.01.2023</a:t>
             </a:fld>
             <a:endParaRPr lang="ru-RU"/>
           </a:p>
@@ -2923,7 +2923,7 @@
           <a:p>
             <a:fld id="{6D641FD9-6CE4-43E4-B3C6-83A72EA36F62}" type="datetime1">
               <a:rPr lang="ru-RU" smtClean="0"/>
-              <a:t>02.12.2022</a:t>
+              <a:t>26.01.2023</a:t>
             </a:fld>
             <a:endParaRPr lang="ru-RU"/>
           </a:p>
@@ -5555,14 +5555,7 @@
                 <a:latin typeface="Arial" panose="020B0604020202020204" pitchFamily="34" charset="0"/>
                 <a:cs typeface="Arial" panose="020B0604020202020204" pitchFamily="34" charset="0"/>
               </a:rPr>
-              <a:t>Большинство клиентов имеет 1 или 2 </a:t>
-            </a:r>
-            <a:r>
-              <a:rPr lang="ru-RU" sz="2000" dirty="0" smtClean="0">
-                <a:latin typeface="Arial" panose="020B0604020202020204" pitchFamily="34" charset="0"/>
-                <a:cs typeface="Arial" panose="020B0604020202020204" pitchFamily="34" charset="0"/>
-              </a:rPr>
-              <a:t>продукта</a:t>
+              <a:t>Большинство клиентов имеет 1 или 2 продукта</a:t>
             </a:r>
             <a:br>
               <a:rPr lang="ru-RU" sz="2000" dirty="0" smtClean="0">
@@ -6076,15 +6069,7 @@
                   <a:srgbClr val="002060"/>
                 </a:solidFill>
               </a:rPr>
-              <a:t>сегмента </a:t>
-            </a:r>
-            <a:r>
-              <a:rPr lang="ru-RU" b="1" dirty="0" smtClean="0">
-                <a:solidFill>
-                  <a:srgbClr val="002060"/>
-                </a:solidFill>
-              </a:rPr>
-              <a:t>0</a:t>
+              <a:t>сегмента 0</a:t>
             </a:r>
             <a:r>
               <a:rPr lang="en-US" b="1" dirty="0" smtClean="0"/>
@@ -6100,12 +6085,12 @@
               <a:buChar char="-"/>
             </a:pPr>
             <a:r>
-              <a:rPr lang="ru-RU" b="1" dirty="0" err="1" smtClean="0"/>
-              <a:t>Низкорисковые</a:t>
-            </a:r>
-            <a:r>
               <a:rPr lang="ru-RU" b="1" dirty="0" smtClean="0"/>
-              <a:t> инвестиционные продукты</a:t>
+              <a:t>Низко рисковые </a:t>
+            </a:r>
+            <a:r>
+              <a:rPr lang="ru-RU" b="1" dirty="0" smtClean="0"/>
+              <a:t>инвестиционные продукты</a:t>
             </a:r>
           </a:p>
           <a:p>
